--- a/figures/enfwi流程图.pptx
+++ b/figures/enfwi流程图.pptx
@@ -197,7 +197,7 @@
           <a:p>
             <a:fld id="{9DE20D96-69B1-4163-8A2D-2EEE121CE1E4}" type="datetimeFigureOut">
               <a:rPr lang="zh-CN" altLang="en-US" smtClean="0"/>
-              <a:t>2018/4/6</a:t>
+              <a:t>2018/4/10</a:t>
             </a:fld>
             <a:endParaRPr lang="zh-CN" altLang="en-US"/>
           </a:p>
@@ -499,7 +499,7 @@
           <a:p>
             <a:fld id="{C29F919D-8149-2448-BEDA-229BF214BE8F}" type="datetimeFigureOut">
               <a:rPr kumimoji="1" lang="zh-CN" altLang="en-US" smtClean="0"/>
-              <a:t>2018/4/6</a:t>
+              <a:t>2018/4/10</a:t>
             </a:fld>
             <a:endParaRPr kumimoji="1" lang="zh-CN" altLang="en-US"/>
           </a:p>
@@ -3174,7 +3174,7 @@
           <a:p>
             <a:fld id="{C29F919D-8149-2448-BEDA-229BF214BE8F}" type="datetimeFigureOut">
               <a:rPr kumimoji="1" lang="zh-CN" altLang="en-US" smtClean="0"/>
-              <a:t>2018/4/6</a:t>
+              <a:t>2018/4/10</a:t>
             </a:fld>
             <a:endParaRPr kumimoji="1" lang="zh-CN" altLang="en-US"/>
           </a:p>
@@ -4831,7 +4831,7 @@
             <a:r>
               <a:rPr lang="en-US" altLang="zh-CN" sz="2400" dirty="0" smtClean="0">
                 <a:solidFill>
-                  <a:srgbClr val="0070C0"/>
+                  <a:schemeClr val="tx1"/>
                 </a:solidFill>
                 <a:latin typeface="宋体" panose="02010600030101010101" pitchFamily="2" charset="-122"/>
                 <a:ea typeface="宋体" panose="02010600030101010101" pitchFamily="2" charset="-122"/>
@@ -4841,7 +4841,7 @@
             </a:r>
             <a:endParaRPr lang="zh-CN" altLang="en-US" sz="2400" dirty="0" err="1" smtClean="0">
               <a:solidFill>
-                <a:srgbClr val="0070C0"/>
+                <a:schemeClr val="tx1"/>
               </a:solidFill>
               <a:latin typeface="宋体" panose="02010600030101010101" pitchFamily="2" charset="-122"/>
               <a:ea typeface="宋体" panose="02010600030101010101" pitchFamily="2" charset="-122"/>
